--- a/pipeline.pptx
+++ b/pipeline.pptx
@@ -5049,10 +5049,9 @@
           <a:p>
             <a:pPr algn="ctr"/>
             <a:r>
-              <a:rPr lang="en-US" smtClean="0"/>
+              <a:rPr lang="en-US" dirty="0" smtClean="0"/>
               <a:t>Model structure </a:t>
             </a:r>
-            <a:endParaRPr lang="en-US" dirty="0" smtClean="0"/>
           </a:p>
         </p:txBody>
       </p:sp>
